--- a/123.pptx
+++ b/123.pptx
@@ -8,9 +8,10 @@
     <p:sldId id="257" r:id="rId2"/>
     <p:sldId id="258" r:id="rId3"/>
     <p:sldId id="259" r:id="rId4"/>
-    <p:sldId id="256" r:id="rId5"/>
-    <p:sldId id="260" r:id="rId6"/>
-    <p:sldId id="261" r:id="rId7"/>
+    <p:sldId id="262" r:id="rId5"/>
+    <p:sldId id="256" r:id="rId6"/>
+    <p:sldId id="260" r:id="rId7"/>
+    <p:sldId id="261" r:id="rId8"/>
   </p:sldIdLst>
   <p:sldSz cx="12192000" cy="6858000"/>
   <p:notesSz cx="6858000" cy="9144000"/>
@@ -3333,33 +3334,232 @@
       </p:grpSpPr>
       <p:sp>
         <p:nvSpPr>
-          <p:cNvPr id="4" name="標題 3">
-            <a:extLst>
-              <a:ext uri="{FF2B5EF4-FFF2-40B4-BE49-F238E27FC236}">
-                <a16:creationId xmlns:a16="http://schemas.microsoft.com/office/drawing/2014/main" id="{4431CC31-90C7-71A0-FB47-2480C5F73C7F}"/>
-              </a:ext>
-            </a:extLst>
-          </p:cNvPr>
-          <p:cNvSpPr>
-            <a:spLocks noGrp="1"/>
-          </p:cNvSpPr>
-          <p:nvPr>
-            <p:ph type="title"/>
-          </p:nvPr>
-        </p:nvSpPr>
-        <p:spPr/>
+          <p:cNvPr id="9" name="內容版面配置區 4">
+            <a:extLst>
+              <a:ext uri="{FF2B5EF4-FFF2-40B4-BE49-F238E27FC236}">
+                <a16:creationId xmlns:a16="http://schemas.microsoft.com/office/drawing/2014/main" id="{31EF2611-0D7C-751E-3B3F-9F9D5878658E}"/>
+              </a:ext>
+            </a:extLst>
+          </p:cNvPr>
+          <p:cNvSpPr>
+            <a:spLocks noGrp="1"/>
+          </p:cNvSpPr>
+          <p:nvPr>
+            <p:ph idx="1"/>
+          </p:nvPr>
+        </p:nvSpPr>
+        <p:spPr>
+          <a:xfrm>
+            <a:off x="7557571" y="1518249"/>
+            <a:ext cx="3796229" cy="4658714"/>
+          </a:xfrm>
+        </p:spPr>
         <p:txBody>
           <a:bodyPr>
             <a:normAutofit/>
           </a:bodyPr>
           <a:lstStyle/>
           <a:p>
+            <a:pPr>
+              <a:lnSpc>
+                <a:spcPct val="150000"/>
+              </a:lnSpc>
+            </a:pPr>
+            <a:r>
+              <a:rPr lang="zh-TW" altLang="en-US" sz="1600" dirty="0">
+                <a:latin typeface="微軟正黑體" panose="020B0604030504040204" pitchFamily="34" charset="-120"/>
+                <a:ea typeface="微軟正黑體" panose="020B0604030504040204" pitchFamily="34" charset="-120"/>
+              </a:rPr>
+              <a:t>實現物料追蹤與生產履歷追溯</a:t>
+            </a:r>
+            <a:endParaRPr lang="en-US" altLang="zh-TW" sz="1600" dirty="0">
+              <a:latin typeface="微軟正黑體" panose="020B0604030504040204" pitchFamily="34" charset="-120"/>
+              <a:ea typeface="微軟正黑體" panose="020B0604030504040204" pitchFamily="34" charset="-120"/>
+            </a:endParaRPr>
+          </a:p>
+          <a:p>
+            <a:pPr>
+              <a:lnSpc>
+                <a:spcPct val="150000"/>
+              </a:lnSpc>
+            </a:pPr>
+            <a:r>
+              <a:rPr lang="zh-TW" altLang="en-US" sz="1600" dirty="0">
+                <a:latin typeface="微軟正黑體" panose="020B0604030504040204" pitchFamily="34" charset="-120"/>
+                <a:ea typeface="微軟正黑體" panose="020B0604030504040204" pitchFamily="34" charset="-120"/>
+              </a:rPr>
+              <a:t>生產過程即時與可視化管理</a:t>
+            </a:r>
+            <a:endParaRPr lang="en-US" altLang="zh-TW" sz="1600" dirty="0">
+              <a:latin typeface="微軟正黑體" panose="020B0604030504040204" pitchFamily="34" charset="-120"/>
+              <a:ea typeface="微軟正黑體" panose="020B0604030504040204" pitchFamily="34" charset="-120"/>
+            </a:endParaRPr>
+          </a:p>
+          <a:p>
+            <a:pPr>
+              <a:lnSpc>
+                <a:spcPct val="150000"/>
+              </a:lnSpc>
+            </a:pPr>
+            <a:r>
+              <a:rPr lang="zh-TW" altLang="en-US" sz="1600" dirty="0">
+                <a:latin typeface="微軟正黑體" panose="020B0604030504040204" pitchFamily="34" charset="-120"/>
+                <a:ea typeface="微軟正黑體" panose="020B0604030504040204" pitchFamily="34" charset="-120"/>
+              </a:rPr>
+              <a:t>提升產品品質</a:t>
+            </a:r>
+            <a:endParaRPr lang="en-US" altLang="zh-TW" sz="1600" dirty="0">
+              <a:latin typeface="微軟正黑體" panose="020B0604030504040204" pitchFamily="34" charset="-120"/>
+              <a:ea typeface="微軟正黑體" panose="020B0604030504040204" pitchFamily="34" charset="-120"/>
+            </a:endParaRPr>
+          </a:p>
+          <a:p>
+            <a:pPr>
+              <a:lnSpc>
+                <a:spcPct val="150000"/>
+              </a:lnSpc>
+            </a:pPr>
+            <a:r>
+              <a:rPr lang="zh-TW" altLang="en-US" sz="1600" dirty="0">
+                <a:latin typeface="微軟正黑體" panose="020B0604030504040204" pitchFamily="34" charset="-120"/>
+                <a:ea typeface="微軟正黑體" panose="020B0604030504040204" pitchFamily="34" charset="-120"/>
+              </a:rPr>
+              <a:t>提升設備效率</a:t>
+            </a:r>
+            <a:endParaRPr lang="en-US" altLang="zh-TW" sz="1600" dirty="0">
+              <a:latin typeface="微軟正黑體" panose="020B0604030504040204" pitchFamily="34" charset="-120"/>
+              <a:ea typeface="微軟正黑體" panose="020B0604030504040204" pitchFamily="34" charset="-120"/>
+            </a:endParaRPr>
+          </a:p>
+          <a:p>
+            <a:pPr>
+              <a:lnSpc>
+                <a:spcPct val="150000"/>
+              </a:lnSpc>
+            </a:pPr>
+            <a:r>
+              <a:rPr lang="zh-TW" altLang="en-US" sz="1600" dirty="0">
+                <a:latin typeface="微軟正黑體" panose="020B0604030504040204" pitchFamily="34" charset="-120"/>
+                <a:ea typeface="微軟正黑體" panose="020B0604030504040204" pitchFamily="34" charset="-120"/>
+              </a:rPr>
+              <a:t>縮短生產週期</a:t>
+            </a:r>
+            <a:endParaRPr lang="en-US" altLang="zh-TW" sz="1600" dirty="0">
+              <a:latin typeface="微軟正黑體" panose="020B0604030504040204" pitchFamily="34" charset="-120"/>
+              <a:ea typeface="微軟正黑體" panose="020B0604030504040204" pitchFamily="34" charset="-120"/>
+            </a:endParaRPr>
+          </a:p>
+          <a:p>
+            <a:pPr>
+              <a:lnSpc>
+                <a:spcPct val="150000"/>
+              </a:lnSpc>
+            </a:pPr>
+            <a:r>
+              <a:rPr lang="zh-TW" altLang="en-US" sz="1600" dirty="0">
+                <a:latin typeface="微軟正黑體" panose="020B0604030504040204" pitchFamily="34" charset="-120"/>
+                <a:ea typeface="微軟正黑體" panose="020B0604030504040204" pitchFamily="34" charset="-120"/>
+              </a:rPr>
+              <a:t>降低物料滯留</a:t>
+            </a:r>
+            <a:endParaRPr lang="en-US" altLang="zh-TW" sz="1600" dirty="0">
+              <a:latin typeface="微軟正黑體" panose="020B0604030504040204" pitchFamily="34" charset="-120"/>
+              <a:ea typeface="微軟正黑體" panose="020B0604030504040204" pitchFamily="34" charset="-120"/>
+            </a:endParaRPr>
+          </a:p>
+          <a:p>
+            <a:pPr>
+              <a:lnSpc>
+                <a:spcPct val="150000"/>
+              </a:lnSpc>
+            </a:pPr>
+            <a:r>
+              <a:rPr lang="zh-TW" altLang="en-US" sz="1600" dirty="0">
+                <a:latin typeface="微軟正黑體" panose="020B0604030504040204" pitchFamily="34" charset="-120"/>
+                <a:ea typeface="微軟正黑體" panose="020B0604030504040204" pitchFamily="34" charset="-120"/>
+              </a:rPr>
+              <a:t>減少生產管理人員</a:t>
+            </a:r>
+            <a:endParaRPr lang="en-US" altLang="zh-TW" sz="1600" dirty="0">
+              <a:latin typeface="微軟正黑體" panose="020B0604030504040204" pitchFamily="34" charset="-120"/>
+              <a:ea typeface="微軟正黑體" panose="020B0604030504040204" pitchFamily="34" charset="-120"/>
+            </a:endParaRPr>
+          </a:p>
+          <a:p>
+            <a:pPr>
+              <a:lnSpc>
+                <a:spcPct val="150000"/>
+              </a:lnSpc>
+            </a:pPr>
+            <a:r>
+              <a:rPr lang="zh-TW" altLang="en-US" sz="1600" dirty="0">
+                <a:latin typeface="微軟正黑體" panose="020B0604030504040204" pitchFamily="34" charset="-120"/>
+                <a:ea typeface="微軟正黑體" panose="020B0604030504040204" pitchFamily="34" charset="-120"/>
+              </a:rPr>
+              <a:t>減少紀錄工作與過失文件</a:t>
+            </a:r>
+            <a:endParaRPr lang="en-US" altLang="zh-TW" sz="1600" dirty="0">
+              <a:latin typeface="微軟正黑體" panose="020B0604030504040204" pitchFamily="34" charset="-120"/>
+              <a:ea typeface="微軟正黑體" panose="020B0604030504040204" pitchFamily="34" charset="-120"/>
+            </a:endParaRPr>
+          </a:p>
+        </p:txBody>
+      </p:sp>
+      <p:sp>
+        <p:nvSpPr>
+          <p:cNvPr id="4" name="標題 3">
+            <a:extLst>
+              <a:ext uri="{FF2B5EF4-FFF2-40B4-BE49-F238E27FC236}">
+                <a16:creationId xmlns:a16="http://schemas.microsoft.com/office/drawing/2014/main" id="{4431CC31-90C7-71A0-FB47-2480C5F73C7F}"/>
+              </a:ext>
+            </a:extLst>
+          </p:cNvPr>
+          <p:cNvSpPr>
+            <a:spLocks noGrp="1"/>
+          </p:cNvSpPr>
+          <p:nvPr>
+            <p:ph type="title"/>
+          </p:nvPr>
+        </p:nvSpPr>
+        <p:spPr/>
+        <p:txBody>
+          <a:bodyPr>
+            <a:normAutofit/>
+          </a:bodyPr>
+          <a:lstStyle/>
+          <a:p>
+            <a:r>
+              <a:rPr lang="zh-TW" altLang="en-US" sz="2000" b="1" dirty="0">
+                <a:solidFill>
+                  <a:prstClr val="black"/>
+                </a:solidFill>
+                <a:latin typeface="微軟正黑體" panose="020B0604030504040204" pitchFamily="34" charset="-120"/>
+                <a:ea typeface="微軟正黑體" panose="020B0604030504040204" pitchFamily="34" charset="-120"/>
+              </a:rPr>
+              <a:t>工業自動化與智能製造</a:t>
+            </a:r>
+            <a:br>
+              <a:rPr kumimoji="0" lang="en-US" altLang="zh-TW" sz="4000" b="1" i="0" u="none" strike="noStrike" kern="1200" cap="none" spc="0" normalizeH="0" baseline="0" noProof="0" dirty="0">
+                <a:ln>
+                  <a:noFill/>
+                </a:ln>
+                <a:solidFill>
+                  <a:prstClr val="black"/>
+                </a:solidFill>
+                <a:effectLst/>
+                <a:uLnTx/>
+                <a:uFillTx/>
+                <a:latin typeface="微軟正黑體" panose="020B0604030504040204" pitchFamily="34" charset="-120"/>
+                <a:ea typeface="微軟正黑體" panose="020B0604030504040204" pitchFamily="34" charset="-120"/>
+                <a:cs typeface="+mj-cs"/>
+              </a:rPr>
+            </a:br>
             <a:r>
               <a:rPr lang="zh-TW" altLang="en-US" sz="4000" b="1" dirty="0">
                 <a:latin typeface="微軟正黑體" panose="020B0604030504040204" pitchFamily="34" charset="-120"/>
                 <a:ea typeface="微軟正黑體" panose="020B0604030504040204" pitchFamily="34" charset="-120"/>
               </a:rPr>
-              <a:t>智能製造系統整合</a:t>
+              <a:t>營運管理目標</a:t>
             </a:r>
           </a:p>
         </p:txBody>
@@ -3378,7 +3578,7 @@
           </p:cNvPicPr>
           <p:nvPr/>
         </p:nvPicPr>
-        <p:blipFill>
+        <p:blipFill rotWithShape="1">
           <a:blip r:embed="rId2">
             <a:extLst>
               <a:ext uri="{28A0092B-C50C-407E-A947-70E740481C1C}">
@@ -3386,15 +3586,13 @@
               </a:ext>
             </a:extLst>
           </a:blip>
-          <a:srcRect/>
-          <a:stretch>
-            <a:fillRect/>
-          </a:stretch>
+          <a:srcRect b="44552"/>
+          <a:stretch/>
         </p:blipFill>
         <p:spPr bwMode="auto">
           <a:xfrm>
-            <a:off x="838200" y="1690688"/>
-            <a:ext cx="6096000" cy="4143375"/>
+            <a:off x="979235" y="2511845"/>
+            <a:ext cx="6248065" cy="2354726"/>
           </a:xfrm>
           <a:prstGeom prst="rect">
             <a:avLst/>
@@ -3465,12 +3663,59 @@
           <a:lstStyle/>
           <a:p>
             <a:r>
-              <a:rPr lang="zh-TW" altLang="en-US" sz="4000" b="1" dirty="0">
+              <a:rPr kumimoji="0" lang="zh-TW" altLang="en-US" sz="2000" b="1" i="0" u="none" strike="noStrike" kern="1200" cap="none" spc="0" normalizeH="0" baseline="0" noProof="0" dirty="0">
+                <a:ln>
+                  <a:noFill/>
+                </a:ln>
+                <a:solidFill>
+                  <a:prstClr val="black"/>
+                </a:solidFill>
+                <a:effectLst/>
+                <a:uLnTx/>
+                <a:uFillTx/>
                 <a:latin typeface="微軟正黑體" panose="020B0604030504040204" pitchFamily="34" charset="-120"/>
                 <a:ea typeface="微軟正黑體" panose="020B0604030504040204" pitchFamily="34" charset="-120"/>
+                <a:cs typeface="+mj-cs"/>
               </a:rPr>
-              <a:t>智能製造系統整合</a:t>
-            </a:r>
+              <a:t>工業自動化與智能製造</a:t>
+            </a:r>
+            <a:br>
+              <a:rPr kumimoji="0" lang="en-US" altLang="zh-TW" sz="4000" b="1" i="0" u="none" strike="noStrike" kern="1200" cap="none" spc="0" normalizeH="0" baseline="0" noProof="0" dirty="0">
+                <a:ln>
+                  <a:noFill/>
+                </a:ln>
+                <a:solidFill>
+                  <a:prstClr val="black"/>
+                </a:solidFill>
+                <a:effectLst/>
+                <a:uLnTx/>
+                <a:uFillTx/>
+                <a:latin typeface="微軟正黑體" panose="020B0604030504040204" pitchFamily="34" charset="-120"/>
+                <a:ea typeface="微軟正黑體" panose="020B0604030504040204" pitchFamily="34" charset="-120"/>
+                <a:cs typeface="+mj-cs"/>
+              </a:rPr>
+            </a:br>
+            <a:r>
+              <a:rPr kumimoji="0" lang="zh-TW" altLang="en-US" sz="4000" b="1" i="0" u="none" strike="noStrike" kern="1200" cap="none" spc="0" normalizeH="0" baseline="0" noProof="0" dirty="0">
+                <a:ln>
+                  <a:noFill/>
+                </a:ln>
+                <a:solidFill>
+                  <a:prstClr val="black"/>
+                </a:solidFill>
+                <a:effectLst/>
+                <a:uLnTx/>
+                <a:uFillTx/>
+                <a:latin typeface="微軟正黑體" panose="020B0604030504040204" pitchFamily="34" charset="-120"/>
+                <a:ea typeface="微軟正黑體" panose="020B0604030504040204" pitchFamily="34" charset="-120"/>
+                <a:cs typeface="+mj-cs"/>
+              </a:rPr>
+              <a:t>系統整合</a:t>
+            </a:r>
+            <a:endParaRPr lang="zh-TW" altLang="en-US" sz="4000" b="1" dirty="0">
+              <a:latin typeface="微軟正黑體" panose="020B0604030504040204" pitchFamily="34" charset="-120"/>
+              <a:ea typeface="微軟正黑體" panose="020B0604030504040204" pitchFamily="34" charset="-120"/>
+            </a:endParaRPr>
           </a:p>
         </p:txBody>
       </p:sp>
@@ -3503,8 +3748,8 @@
         </p:blipFill>
         <p:spPr bwMode="auto">
           <a:xfrm>
-            <a:off x="5503035" y="857250"/>
-            <a:ext cx="6096000" cy="5143500"/>
+            <a:off x="838200" y="1523944"/>
+            <a:ext cx="5670662" cy="4784621"/>
           </a:xfrm>
           <a:prstGeom prst="rect">
             <a:avLst/>
@@ -3519,6 +3764,36 @@
               </a14:hiddenFill>
             </a:ext>
           </a:extLst>
+        </p:spPr>
+      </p:pic>
+      <p:pic>
+        <p:nvPicPr>
+          <p:cNvPr id="17" name="圖片 16">
+            <a:extLst>
+              <a:ext uri="{FF2B5EF4-FFF2-40B4-BE49-F238E27FC236}">
+                <a16:creationId xmlns:a16="http://schemas.microsoft.com/office/drawing/2014/main" id="{BE8F2653-8C06-47F3-6123-7DA9F4DE7BBA}"/>
+              </a:ext>
+            </a:extLst>
+          </p:cNvPr>
+          <p:cNvPicPr>
+            <a:picLocks noChangeAspect="1"/>
+          </p:cNvPicPr>
+          <p:nvPr/>
+        </p:nvPicPr>
+        <p:blipFill>
+          <a:blip r:embed="rId3"/>
+          <a:stretch>
+            <a:fillRect/>
+          </a:stretch>
+        </p:blipFill>
+        <p:spPr>
+          <a:xfrm>
+            <a:off x="6727919" y="2190339"/>
+            <a:ext cx="5032281" cy="3451830"/>
+          </a:xfrm>
+          <a:prstGeom prst="rect">
+            <a:avLst/>
+          </a:prstGeom>
         </p:spPr>
       </p:pic>
     </p:spTree>
@@ -3575,12 +3850,59 @@
           <a:lstStyle/>
           <a:p>
             <a:r>
-              <a:rPr lang="zh-TW" altLang="en-US" sz="4000" b="1" dirty="0">
+              <a:rPr kumimoji="0" lang="zh-TW" altLang="en-US" sz="2000" b="1" i="0" u="none" strike="noStrike" kern="1200" cap="none" spc="0" normalizeH="0" baseline="0" noProof="0" dirty="0">
+                <a:ln>
+                  <a:noFill/>
+                </a:ln>
+                <a:solidFill>
+                  <a:prstClr val="black"/>
+                </a:solidFill>
+                <a:effectLst/>
+                <a:uLnTx/>
+                <a:uFillTx/>
                 <a:latin typeface="微軟正黑體" panose="020B0604030504040204" pitchFamily="34" charset="-120"/>
                 <a:ea typeface="微軟正黑體" panose="020B0604030504040204" pitchFamily="34" charset="-120"/>
+                <a:cs typeface="+mj-cs"/>
+              </a:rPr>
+              <a:t>工業自動化與智能製造</a:t>
+            </a:r>
+            <a:br>
+              <a:rPr kumimoji="0" lang="en-US" altLang="zh-TW" sz="4000" b="1" i="0" u="none" strike="noStrike" kern="1200" cap="none" spc="0" normalizeH="0" baseline="0" noProof="0" dirty="0">
+                <a:ln>
+                  <a:noFill/>
+                </a:ln>
+                <a:solidFill>
+                  <a:prstClr val="black"/>
+                </a:solidFill>
+                <a:effectLst/>
+                <a:uLnTx/>
+                <a:uFillTx/>
+                <a:latin typeface="微軟正黑體" panose="020B0604030504040204" pitchFamily="34" charset="-120"/>
+                <a:ea typeface="微軟正黑體" panose="020B0604030504040204" pitchFamily="34" charset="-120"/>
+                <a:cs typeface="+mj-cs"/>
+              </a:rPr>
+            </a:br>
+            <a:r>
+              <a:rPr kumimoji="0" lang="zh-TW" altLang="en-US" sz="4000" b="1" i="0" u="none" strike="noStrike" kern="1200" cap="none" spc="0" normalizeH="0" baseline="0" noProof="0" dirty="0">
+                <a:ln>
+                  <a:noFill/>
+                </a:ln>
+                <a:solidFill>
+                  <a:prstClr val="black"/>
+                </a:solidFill>
+                <a:effectLst/>
+                <a:uLnTx/>
+                <a:uFillTx/>
+                <a:latin typeface="微軟正黑體" panose="020B0604030504040204" pitchFamily="34" charset="-120"/>
+                <a:ea typeface="微軟正黑體" panose="020B0604030504040204" pitchFamily="34" charset="-120"/>
+                <a:cs typeface="+mj-cs"/>
               </a:rPr>
               <a:t>產業應用經驗</a:t>
             </a:r>
+            <a:endParaRPr lang="zh-TW" altLang="en-US" sz="4000" b="1" dirty="0">
+              <a:latin typeface="微軟正黑體" panose="020B0604030504040204" pitchFamily="34" charset="-120"/>
+              <a:ea typeface="微軟正黑體" panose="020B0604030504040204" pitchFamily="34" charset="-120"/>
+            </a:endParaRPr>
           </a:p>
         </p:txBody>
       </p:sp>
@@ -3613,7 +3935,7 @@
         </p:blipFill>
         <p:spPr bwMode="auto">
           <a:xfrm>
-            <a:off x="1561423" y="2165701"/>
+            <a:off x="1561423" y="2111210"/>
             <a:ext cx="9069153" cy="4151972"/>
           </a:xfrm>
           <a:prstGeom prst="rect">
@@ -3649,7 +3971,7 @@
         </p:nvSpPr>
         <p:spPr>
           <a:xfrm>
-            <a:off x="838200" y="1518249"/>
+            <a:off x="838200" y="1604468"/>
             <a:ext cx="10515600" cy="4658714"/>
           </a:xfrm>
         </p:spPr>
@@ -3667,7 +3989,21 @@
                 <a:latin typeface="微軟正黑體" panose="020B0604030504040204" pitchFamily="34" charset="-120"/>
                 <a:ea typeface="微軟正黑體" panose="020B0604030504040204" pitchFamily="34" charset="-120"/>
               </a:rPr>
-              <a:t>對於各產業的製造流程有</a:t>
+              <a:t>建構各產業製造管理之</a:t>
+            </a:r>
+            <a:r>
+              <a:rPr lang="en-US" altLang="zh-TW" sz="2000" dirty="0">
+                <a:latin typeface="微軟正黑體" panose="020B0604030504040204" pitchFamily="34" charset="-120"/>
+                <a:ea typeface="微軟正黑體" panose="020B0604030504040204" pitchFamily="34" charset="-120"/>
+              </a:rPr>
+              <a:t>Know-how</a:t>
+            </a:r>
+            <a:r>
+              <a:rPr lang="zh-TW" altLang="en-US" sz="2000" dirty="0">
+                <a:latin typeface="微軟正黑體" panose="020B0604030504040204" pitchFamily="34" charset="-120"/>
+                <a:ea typeface="微軟正黑體" panose="020B0604030504040204" pitchFamily="34" charset="-120"/>
+              </a:rPr>
+              <a:t>，提升產品成熟度。</a:t>
             </a:r>
           </a:p>
         </p:txBody>
@@ -3726,28 +4062,105 @@
           <a:lstStyle/>
           <a:p>
             <a:r>
-              <a:rPr lang="en-US" altLang="zh-TW" sz="4000" b="1" dirty="0">
+              <a:rPr kumimoji="0" lang="zh-TW" altLang="en-US" sz="2000" b="1" i="0" u="none" strike="noStrike" kern="1200" cap="none" spc="0" normalizeH="0" baseline="0" noProof="0" dirty="0">
+                <a:ln>
+                  <a:noFill/>
+                </a:ln>
+                <a:solidFill>
+                  <a:prstClr val="black"/>
+                </a:solidFill>
+                <a:effectLst/>
+                <a:uLnTx/>
+                <a:uFillTx/>
+                <a:latin typeface="微軟正黑體" panose="020B0604030504040204" pitchFamily="34" charset="-120"/>
+                <a:ea typeface="微軟正黑體" panose="020B0604030504040204" pitchFamily="34" charset="-120"/>
+                <a:cs typeface="+mj-cs"/>
+              </a:rPr>
+              <a:t>智能製造</a:t>
+            </a:r>
+            <a:r>
+              <a:rPr lang="zh-TW" altLang="en-US" sz="2000" b="1" dirty="0">
+                <a:solidFill>
+                  <a:prstClr val="black"/>
+                </a:solidFill>
                 <a:latin typeface="微軟正黑體" panose="020B0604030504040204" pitchFamily="34" charset="-120"/>
                 <a:ea typeface="微軟正黑體" panose="020B0604030504040204" pitchFamily="34" charset="-120"/>
               </a:rPr>
-              <a:t>RMS </a:t>
-            </a:r>
+              <a:t>解決方案</a:t>
+            </a:r>
+            <a:br>
+              <a:rPr kumimoji="0" lang="en-US" altLang="zh-TW" sz="4000" b="1" i="0" u="none" strike="noStrike" kern="1200" cap="none" spc="0" normalizeH="0" baseline="0" noProof="0" dirty="0">
+                <a:ln>
+                  <a:noFill/>
+                </a:ln>
+                <a:solidFill>
+                  <a:prstClr val="black"/>
+                </a:solidFill>
+                <a:effectLst/>
+                <a:uLnTx/>
+                <a:uFillTx/>
+                <a:latin typeface="微軟正黑體" panose="020B0604030504040204" pitchFamily="34" charset="-120"/>
+                <a:ea typeface="微軟正黑體" panose="020B0604030504040204" pitchFamily="34" charset="-120"/>
+                <a:cs typeface="+mj-cs"/>
+              </a:rPr>
+            </a:br>
             <a:r>
               <a:rPr lang="zh-TW" altLang="en-US" sz="4000" b="1" dirty="0">
                 <a:latin typeface="微軟正黑體" panose="020B0604030504040204" pitchFamily="34" charset="-120"/>
                 <a:ea typeface="微軟正黑體" panose="020B0604030504040204" pitchFamily="34" charset="-120"/>
               </a:rPr>
-              <a:t>配方管理系統</a:t>
-            </a:r>
-          </a:p>
-        </p:txBody>
-      </p:sp>
+              <a:t>生產製造管理平台 </a:t>
+            </a:r>
+            <a:r>
+              <a:rPr lang="en-US" altLang="zh-TW" sz="4000" b="1" dirty="0" err="1">
+                <a:latin typeface="微軟正黑體" panose="020B0604030504040204" pitchFamily="34" charset="-120"/>
+                <a:ea typeface="微軟正黑體" panose="020B0604030504040204" pitchFamily="34" charset="-120"/>
+              </a:rPr>
+              <a:t>DIAWorks</a:t>
+            </a:r>
+            <a:endParaRPr lang="zh-TW" altLang="en-US" sz="4000" b="1" dirty="0">
+              <a:latin typeface="微軟正黑體" panose="020B0604030504040204" pitchFamily="34" charset="-120"/>
+              <a:ea typeface="微軟正黑體" panose="020B0604030504040204" pitchFamily="34" charset="-120"/>
+            </a:endParaRPr>
+          </a:p>
+        </p:txBody>
+      </p:sp>
+      <p:pic>
+        <p:nvPicPr>
+          <p:cNvPr id="3" name="圖片 2">
+            <a:extLst>
+              <a:ext uri="{FF2B5EF4-FFF2-40B4-BE49-F238E27FC236}">
+                <a16:creationId xmlns:a16="http://schemas.microsoft.com/office/drawing/2014/main" id="{64D1CE45-06A9-05DE-04E6-FC5C5A87B696}"/>
+              </a:ext>
+            </a:extLst>
+          </p:cNvPr>
+          <p:cNvPicPr>
+            <a:picLocks noChangeAspect="1"/>
+          </p:cNvPicPr>
+          <p:nvPr/>
+        </p:nvPicPr>
+        <p:blipFill>
+          <a:blip r:embed="rId2"/>
+          <a:stretch>
+            <a:fillRect/>
+          </a:stretch>
+        </p:blipFill>
+        <p:spPr>
+          <a:xfrm>
+            <a:off x="838200" y="2610692"/>
+            <a:ext cx="7182348" cy="3718671"/>
+          </a:xfrm>
+          <a:prstGeom prst="rect">
+            <a:avLst/>
+          </a:prstGeom>
+        </p:spPr>
+      </p:pic>
       <p:sp>
         <p:nvSpPr>
           <p:cNvPr id="5" name="內容版面配置區 4">
             <a:extLst>
               <a:ext uri="{FF2B5EF4-FFF2-40B4-BE49-F238E27FC236}">
-                <a16:creationId xmlns:a16="http://schemas.microsoft.com/office/drawing/2014/main" id="{8DA96588-5276-A7C8-352F-04616F4450B3}"/>
+                <a16:creationId xmlns:a16="http://schemas.microsoft.com/office/drawing/2014/main" id="{C913F182-3EA8-729F-2089-C40DA0C90D07}"/>
               </a:ext>
             </a:extLst>
           </p:cNvPr>
@@ -3771,6 +4184,9 @@
           <a:lstStyle/>
           <a:p>
             <a:pPr marL="0" indent="0">
+              <a:lnSpc>
+                <a:spcPct val="150000"/>
+              </a:lnSpc>
               <a:buNone/>
             </a:pPr>
             <a:r>
@@ -3778,7 +4194,205 @@
                 <a:latin typeface="微軟正黑體" panose="020B0604030504040204" pitchFamily="34" charset="-120"/>
                 <a:ea typeface="微軟正黑體" panose="020B0604030504040204" pitchFamily="34" charset="-120"/>
               </a:rPr>
-              <a:t>管理各製程關鍵製程參數，確保數據有效性，提升整體生產效率</a:t>
+              <a:t>提供多種應用管理系統的平台，將生產標準化整合品質管理 、設備管理 、物流儲運管理，管控數據，實現產品履歷追溯與品質監控，降低庫存與成本，使廠內資源發揮最大效益。</a:t>
+            </a:r>
+            <a:endParaRPr lang="en-US" altLang="zh-TW" sz="2000" dirty="0">
+              <a:latin typeface="微軟正黑體" panose="020B0604030504040204" pitchFamily="34" charset="-120"/>
+              <a:ea typeface="微軟正黑體" panose="020B0604030504040204" pitchFamily="34" charset="-120"/>
+            </a:endParaRPr>
+          </a:p>
+        </p:txBody>
+      </p:sp>
+      <p:sp>
+        <p:nvSpPr>
+          <p:cNvPr id="11" name="文字方塊 10">
+            <a:extLst>
+              <a:ext uri="{FF2B5EF4-FFF2-40B4-BE49-F238E27FC236}">
+                <a16:creationId xmlns:a16="http://schemas.microsoft.com/office/drawing/2014/main" id="{FE01AEEA-59B5-AADA-4080-08B435AA2FBA}"/>
+              </a:ext>
+            </a:extLst>
+          </p:cNvPr>
+          <p:cNvSpPr txBox="1"/>
+          <p:nvPr/>
+        </p:nvSpPr>
+        <p:spPr>
+          <a:xfrm>
+            <a:off x="8185648" y="3572097"/>
+            <a:ext cx="3333252" cy="923330"/>
+          </a:xfrm>
+          <a:prstGeom prst="rect">
+            <a:avLst/>
+          </a:prstGeom>
+          <a:noFill/>
+        </p:spPr>
+        <p:txBody>
+          <a:bodyPr wrap="square" rtlCol="0">
+            <a:spAutoFit/>
+          </a:bodyPr>
+          <a:lstStyle/>
+          <a:p>
+            <a:r>
+              <a:rPr lang="zh-TW" altLang="en-US" b="1" dirty="0">
+                <a:solidFill>
+                  <a:srgbClr val="009DEB"/>
+                </a:solidFill>
+                <a:latin typeface="微軟正黑體" panose="020B0604030504040204" pitchFamily="34" charset="-120"/>
+                <a:ea typeface="微軟正黑體" panose="020B0604030504040204" pitchFamily="34" charset="-120"/>
+              </a:rPr>
+              <a:t>系統軟體彈性大 </a:t>
+            </a:r>
+            <a:r>
+              <a:rPr lang="en-US" altLang="zh-TW" b="1" dirty="0">
+                <a:solidFill>
+                  <a:srgbClr val="009DEB"/>
+                </a:solidFill>
+                <a:latin typeface="微軟正黑體" panose="020B0604030504040204" pitchFamily="34" charset="-120"/>
+                <a:ea typeface="微軟正黑體" panose="020B0604030504040204" pitchFamily="34" charset="-120"/>
+              </a:rPr>
+              <a:t>– </a:t>
+            </a:r>
+          </a:p>
+          <a:p>
+            <a:r>
+              <a:rPr lang="zh-TW" altLang="en-US" dirty="0">
+                <a:latin typeface="微軟正黑體" panose="020B0604030504040204" pitchFamily="34" charset="-120"/>
+                <a:ea typeface="微軟正黑體" panose="020B0604030504040204" pitchFamily="34" charset="-120"/>
+              </a:rPr>
+              <a:t>可依照客戶需求選配功能模組， 彈性大。</a:t>
+            </a:r>
+          </a:p>
+        </p:txBody>
+      </p:sp>
+    </p:spTree>
+    <p:extLst>
+      <p:ext uri="{BB962C8B-B14F-4D97-AF65-F5344CB8AC3E}">
+        <p14:creationId xmlns:p14="http://schemas.microsoft.com/office/powerpoint/2010/main" val="1161201981"/>
+      </p:ext>
+    </p:extLst>
+  </p:cSld>
+  <p:clrMapOvr>
+    <a:masterClrMapping/>
+  </p:clrMapOvr>
+</p:sld>
+</file>
+
+<file path=ppt/slides/slide5.xml><?xml version="1.0" encoding="utf-8"?>
+<p:sld xmlns:a="http://schemas.openxmlformats.org/drawingml/2006/main" xmlns:r="http://schemas.openxmlformats.org/officeDocument/2006/relationships" xmlns:p="http://schemas.openxmlformats.org/presentationml/2006/main">
+  <p:cSld>
+    <p:spTree>
+      <p:nvGrpSpPr>
+        <p:cNvPr id="1" name=""/>
+        <p:cNvGrpSpPr/>
+        <p:nvPr/>
+      </p:nvGrpSpPr>
+      <p:grpSpPr>
+        <a:xfrm>
+          <a:off x="0" y="0"/>
+          <a:ext cx="0" cy="0"/>
+          <a:chOff x="0" y="0"/>
+          <a:chExt cx="0" cy="0"/>
+        </a:xfrm>
+      </p:grpSpPr>
+      <p:sp>
+        <p:nvSpPr>
+          <p:cNvPr id="4" name="標題 3">
+            <a:extLst>
+              <a:ext uri="{FF2B5EF4-FFF2-40B4-BE49-F238E27FC236}">
+                <a16:creationId xmlns:a16="http://schemas.microsoft.com/office/drawing/2014/main" id="{4431CC31-90C7-71A0-FB47-2480C5F73C7F}"/>
+              </a:ext>
+            </a:extLst>
+          </p:cNvPr>
+          <p:cNvSpPr>
+            <a:spLocks noGrp="1"/>
+          </p:cNvSpPr>
+          <p:nvPr>
+            <p:ph type="title"/>
+          </p:nvPr>
+        </p:nvSpPr>
+        <p:spPr/>
+        <p:txBody>
+          <a:bodyPr>
+            <a:normAutofit/>
+          </a:bodyPr>
+          <a:lstStyle/>
+          <a:p>
+            <a:r>
+              <a:rPr kumimoji="0" lang="zh-TW" altLang="en-US" sz="2000" b="1" i="0" u="none" strike="noStrike" kern="1200" cap="none" spc="0" normalizeH="0" baseline="0" noProof="0" dirty="0">
+                <a:ln>
+                  <a:noFill/>
+                </a:ln>
+                <a:solidFill>
+                  <a:prstClr val="black"/>
+                </a:solidFill>
+                <a:effectLst/>
+                <a:uLnTx/>
+                <a:uFillTx/>
+                <a:latin typeface="微軟正黑體" panose="020B0604030504040204" pitchFamily="34" charset="-120"/>
+                <a:ea typeface="微軟正黑體" panose="020B0604030504040204" pitchFamily="34" charset="-120"/>
+                <a:cs typeface="+mj-cs"/>
+              </a:rPr>
+              <a:t>智能製造解決方案</a:t>
+            </a:r>
+            <a:br>
+              <a:rPr lang="en-US" altLang="zh-TW" sz="4000" b="1" dirty="0">
+                <a:latin typeface="微軟正黑體" panose="020B0604030504040204" pitchFamily="34" charset="-120"/>
+                <a:ea typeface="微軟正黑體" panose="020B0604030504040204" pitchFamily="34" charset="-120"/>
+              </a:rPr>
+            </a:br>
+            <a:r>
+              <a:rPr lang="en-US" altLang="zh-TW" sz="4000" b="1" dirty="0">
+                <a:latin typeface="微軟正黑體" panose="020B0604030504040204" pitchFamily="34" charset="-120"/>
+                <a:ea typeface="微軟正黑體" panose="020B0604030504040204" pitchFamily="34" charset="-120"/>
+              </a:rPr>
+              <a:t>RMS </a:t>
+            </a:r>
+            <a:r>
+              <a:rPr lang="zh-TW" altLang="en-US" sz="4000" b="1" dirty="0">
+                <a:latin typeface="微軟正黑體" panose="020B0604030504040204" pitchFamily="34" charset="-120"/>
+                <a:ea typeface="微軟正黑體" panose="020B0604030504040204" pitchFamily="34" charset="-120"/>
+              </a:rPr>
+              <a:t>配方管理系統</a:t>
+            </a:r>
+          </a:p>
+        </p:txBody>
+      </p:sp>
+      <p:sp>
+        <p:nvSpPr>
+          <p:cNvPr id="5" name="內容版面配置區 4">
+            <a:extLst>
+              <a:ext uri="{FF2B5EF4-FFF2-40B4-BE49-F238E27FC236}">
+                <a16:creationId xmlns:a16="http://schemas.microsoft.com/office/drawing/2014/main" id="{8DA96588-5276-A7C8-352F-04616F4450B3}"/>
+              </a:ext>
+            </a:extLst>
+          </p:cNvPr>
+          <p:cNvSpPr>
+            <a:spLocks noGrp="1"/>
+          </p:cNvSpPr>
+          <p:nvPr>
+            <p:ph idx="1"/>
+          </p:nvPr>
+        </p:nvSpPr>
+        <p:spPr>
+          <a:xfrm>
+            <a:off x="838200" y="1518249"/>
+            <a:ext cx="10515600" cy="4658714"/>
+          </a:xfrm>
+        </p:spPr>
+        <p:txBody>
+          <a:bodyPr>
+            <a:normAutofit/>
+          </a:bodyPr>
+          <a:lstStyle/>
+          <a:p>
+            <a:pPr marL="0" indent="0">
+              <a:buNone/>
+            </a:pPr>
+            <a:r>
+              <a:rPr lang="zh-TW" altLang="en-US" sz="2000" dirty="0">
+                <a:latin typeface="微軟正黑體" panose="020B0604030504040204" pitchFamily="34" charset="-120"/>
+                <a:ea typeface="微軟正黑體" panose="020B0604030504040204" pitchFamily="34" charset="-120"/>
+              </a:rPr>
+              <a:t>管理各製程關鍵製程參數，確保數據有效性，提升整體生產效率。</a:t>
             </a:r>
           </a:p>
         </p:txBody>
@@ -5854,7 +6468,7 @@
 </p:sld>
 </file>
 
-<file path=ppt/slides/slide5.xml><?xml version="1.0" encoding="utf-8"?>
+<file path=ppt/slides/slide6.xml><?xml version="1.0" encoding="utf-8"?>
 <p:sld xmlns:a="http://schemas.openxmlformats.org/drawingml/2006/main" xmlns:r="http://schemas.openxmlformats.org/officeDocument/2006/relationships" xmlns:p="http://schemas.openxmlformats.org/presentationml/2006/main">
   <p:cSld>
     <p:spTree>
@@ -5895,12 +6509,36 @@
           <a:lstStyle/>
           <a:p>
             <a:r>
-              <a:rPr lang="zh-TW" altLang="en-US" sz="4000" b="1" dirty="0">
+              <a:rPr lang="en-US" altLang="zh-TW" sz="2000" b="1" dirty="0">
                 <a:latin typeface="微軟正黑體" panose="020B0604030504040204" pitchFamily="34" charset="-120"/>
                 <a:ea typeface="微軟正黑體" panose="020B0604030504040204" pitchFamily="34" charset="-120"/>
               </a:rPr>
-              <a:t>建置智慧工廠架構</a:t>
-            </a:r>
+              <a:t>AUO</a:t>
+            </a:r>
+            <a:r>
+              <a:rPr lang="zh-TW" altLang="en-US" sz="2000" b="1" dirty="0">
+                <a:latin typeface="微軟正黑體" panose="020B0604030504040204" pitchFamily="34" charset="-120"/>
+                <a:ea typeface="微軟正黑體" panose="020B0604030504040204" pitchFamily="34" charset="-120"/>
+              </a:rPr>
+              <a:t>現行專案探討</a:t>
+            </a:r>
+            <a:br>
+              <a:rPr lang="en-US" altLang="zh-TW" sz="4000" b="1" dirty="0">
+                <a:latin typeface="微軟正黑體" panose="020B0604030504040204" pitchFamily="34" charset="-120"/>
+                <a:ea typeface="微軟正黑體" panose="020B0604030504040204" pitchFamily="34" charset="-120"/>
+              </a:rPr>
+            </a:br>
+            <a:r>
+              <a:rPr lang="en-US" altLang="zh-TW" sz="4000" b="1" dirty="0">
+                <a:latin typeface="微軟正黑體" panose="020B0604030504040204" pitchFamily="34" charset="-120"/>
+                <a:ea typeface="微軟正黑體" panose="020B0604030504040204" pitchFamily="34" charset="-120"/>
+              </a:rPr>
+              <a:t>AAS</a:t>
+            </a:r>
+            <a:endParaRPr lang="zh-TW" altLang="en-US" sz="4000" b="1" dirty="0">
+              <a:latin typeface="微軟正黑體" panose="020B0604030504040204" pitchFamily="34" charset="-120"/>
+              <a:ea typeface="微軟正黑體" panose="020B0604030504040204" pitchFamily="34" charset="-120"/>
+            </a:endParaRPr>
           </a:p>
         </p:txBody>
       </p:sp>
@@ -5922,8 +6560,8 @@
         </p:nvSpPr>
         <p:spPr>
           <a:xfrm>
-            <a:off x="838200" y="1518249"/>
-            <a:ext cx="10515600" cy="4658714"/>
+            <a:off x="838200" y="1690687"/>
+            <a:ext cx="10515600" cy="4486275"/>
           </a:xfrm>
         </p:spPr>
         <p:txBody>
@@ -5937,29 +6575,140 @@
                 <a:latin typeface="微軟正黑體" panose="020B0604030504040204" pitchFamily="34" charset="-120"/>
                 <a:ea typeface="微軟正黑體" panose="020B0604030504040204" pitchFamily="34" charset="-120"/>
               </a:rPr>
-              <a:t>產業製程</a:t>
-            </a:r>
+              <a:t>半客製概念開發</a:t>
+            </a:r>
+            <a:r>
+              <a:rPr lang="zh-TW" altLang="en-US" sz="2000" dirty="0">
+                <a:latin typeface="微軟正黑體" panose="020B0604030504040204" pitchFamily="34" charset="-120"/>
+                <a:ea typeface="微軟正黑體" panose="020B0604030504040204" pitchFamily="34" charset="-120"/>
+                <a:sym typeface="Wingdings" panose="05000000000000000000" pitchFamily="2" charset="2"/>
+              </a:rPr>
+              <a:t>：</a:t>
+            </a:r>
+            <a:endParaRPr lang="en-US" altLang="zh-TW" sz="2000" dirty="0">
+              <a:latin typeface="微軟正黑體" panose="020B0604030504040204" pitchFamily="34" charset="-120"/>
+              <a:ea typeface="微軟正黑體" panose="020B0604030504040204" pitchFamily="34" charset="-120"/>
+              <a:sym typeface="Wingdings" panose="05000000000000000000" pitchFamily="2" charset="2"/>
+            </a:endParaRPr>
+          </a:p>
+          <a:p>
+            <a:pPr marL="0" indent="0">
+              <a:buNone/>
+            </a:pPr>
+            <a:r>
+              <a:rPr lang="zh-TW" altLang="en-US" sz="2000" dirty="0">
+                <a:latin typeface="微軟正黑體" panose="020B0604030504040204" pitchFamily="34" charset="-120"/>
+                <a:ea typeface="微軟正黑體" panose="020B0604030504040204" pitchFamily="34" charset="-120"/>
+                <a:sym typeface="Wingdings" panose="05000000000000000000" pitchFamily="2" charset="2"/>
+              </a:rPr>
+              <a:t>   </a:t>
+            </a:r>
+            <a:r>
+              <a:rPr lang="en-US" altLang="zh-TW" sz="2000" dirty="0">
+                <a:latin typeface="微軟正黑體" panose="020B0604030504040204" pitchFamily="34" charset="-120"/>
+                <a:ea typeface="微軟正黑體" panose="020B0604030504040204" pitchFamily="34" charset="-120"/>
+                <a:sym typeface="Wingdings" panose="05000000000000000000" pitchFamily="2" charset="2"/>
+              </a:rPr>
+              <a:t>(1)</a:t>
+            </a:r>
+            <a:r>
+              <a:rPr lang="zh-TW" altLang="en-US" sz="2000" dirty="0">
+                <a:latin typeface="微軟正黑體" panose="020B0604030504040204" pitchFamily="34" charset="-120"/>
+                <a:ea typeface="微軟正黑體" panose="020B0604030504040204" pitchFamily="34" charset="-120"/>
+                <a:sym typeface="Wingdings" panose="05000000000000000000" pitchFamily="2" charset="2"/>
+              </a:rPr>
+              <a:t>  通訊服務模組化，開發多服務介接。</a:t>
+            </a:r>
+            <a:endParaRPr lang="en-US" altLang="zh-TW" sz="2000" dirty="0">
+              <a:latin typeface="微軟正黑體" panose="020B0604030504040204" pitchFamily="34" charset="-120"/>
+              <a:ea typeface="微軟正黑體" panose="020B0604030504040204" pitchFamily="34" charset="-120"/>
+            </a:endParaRPr>
+          </a:p>
+          <a:p>
+            <a:pPr marL="0" indent="0">
+              <a:buNone/>
+            </a:pPr>
             <a:r>
               <a:rPr lang="en-US" altLang="zh-TW" sz="2000" dirty="0">
                 <a:latin typeface="微軟正黑體" panose="020B0604030504040204" pitchFamily="34" charset="-120"/>
                 <a:ea typeface="微軟正黑體" panose="020B0604030504040204" pitchFamily="34" charset="-120"/>
               </a:rPr>
-              <a:t>know-how</a:t>
-            </a:r>
-          </a:p>
-          <a:p>
+              <a:t>   (2)</a:t>
+            </a:r>
+            <a:r>
+              <a:rPr lang="zh-TW" altLang="en-US" sz="2000" dirty="0">
+                <a:latin typeface="微軟正黑體" panose="020B0604030504040204" pitchFamily="34" charset="-120"/>
+                <a:ea typeface="微軟正黑體" panose="020B0604030504040204" pitchFamily="34" charset="-120"/>
+              </a:rPr>
+              <a:t>  通訊服務層與比對邏輯層抽離。</a:t>
+            </a:r>
             <a:endParaRPr lang="en-US" altLang="zh-TW" sz="2000" dirty="0">
               <a:latin typeface="微軟正黑體" panose="020B0604030504040204" pitchFamily="34" charset="-120"/>
               <a:ea typeface="微軟正黑體" panose="020B0604030504040204" pitchFamily="34" charset="-120"/>
             </a:endParaRPr>
           </a:p>
           <a:p>
+            <a:pPr marL="0" indent="0">
+              <a:buNone/>
+            </a:pPr>
             <a:r>
               <a:rPr lang="zh-TW" altLang="en-US" sz="2000" dirty="0">
                 <a:latin typeface="微軟正黑體" panose="020B0604030504040204" pitchFamily="34" charset="-120"/>
                 <a:ea typeface="微軟正黑體" panose="020B0604030504040204" pitchFamily="34" charset="-120"/>
               </a:rPr>
-              <a:t>通訊服務模組建立</a:t>
+              <a:t>   </a:t>
+            </a:r>
+            <a:r>
+              <a:rPr lang="en-US" altLang="zh-TW" sz="2000" dirty="0">
+                <a:latin typeface="微軟正黑體" panose="020B0604030504040204" pitchFamily="34" charset="-120"/>
+                <a:ea typeface="微軟正黑體" panose="020B0604030504040204" pitchFamily="34" charset="-120"/>
+              </a:rPr>
+              <a:t>(3)</a:t>
+            </a:r>
+            <a:r>
+              <a:rPr lang="zh-TW" altLang="en-US" sz="2000" dirty="0">
+                <a:latin typeface="微軟正黑體" panose="020B0604030504040204" pitchFamily="34" charset="-120"/>
+                <a:ea typeface="微軟正黑體" panose="020B0604030504040204" pitchFamily="34" charset="-120"/>
+              </a:rPr>
+              <a:t>  異常通報模組化，可獨立或附屬於系統中。</a:t>
+            </a:r>
+            <a:endParaRPr lang="en-US" altLang="zh-TW" sz="2000" dirty="0">
+              <a:latin typeface="微軟正黑體" panose="020B0604030504040204" pitchFamily="34" charset="-120"/>
+              <a:ea typeface="微軟正黑體" panose="020B0604030504040204" pitchFamily="34" charset="-120"/>
+            </a:endParaRPr>
+          </a:p>
+          <a:p>
+            <a:pPr marL="0" indent="0">
+              <a:buNone/>
+            </a:pPr>
+            <a:endParaRPr lang="en-US" altLang="zh-TW" sz="2000" dirty="0">
+              <a:latin typeface="微軟正黑體" panose="020B0604030504040204" pitchFamily="34" charset="-120"/>
+              <a:ea typeface="微軟正黑體" panose="020B0604030504040204" pitchFamily="34" charset="-120"/>
+            </a:endParaRPr>
+          </a:p>
+          <a:p>
+            <a:r>
+              <a:rPr lang="zh-TW" altLang="en-US" sz="2000" dirty="0">
+                <a:latin typeface="微軟正黑體" panose="020B0604030504040204" pitchFamily="34" charset="-120"/>
+                <a:ea typeface="微軟正黑體" panose="020B0604030504040204" pitchFamily="34" charset="-120"/>
+              </a:rPr>
+              <a:t>建立產業製程知識：</a:t>
+            </a:r>
+            <a:endParaRPr lang="en-US" altLang="zh-TW" sz="2000" dirty="0">
+              <a:latin typeface="微軟正黑體" panose="020B0604030504040204" pitchFamily="34" charset="-120"/>
+              <a:ea typeface="微軟正黑體" panose="020B0604030504040204" pitchFamily="34" charset="-120"/>
+            </a:endParaRPr>
+          </a:p>
+          <a:p>
+            <a:pPr marL="0" indent="0">
+              <a:buNone/>
+            </a:pPr>
+            <a:r>
+              <a:rPr lang="zh-TW" altLang="en-US" sz="2000" dirty="0">
+                <a:latin typeface="微軟正黑體" panose="020B0604030504040204" pitchFamily="34" charset="-120"/>
+                <a:ea typeface="微軟正黑體" panose="020B0604030504040204" pitchFamily="34" charset="-120"/>
+              </a:rPr>
+              <a:t>    將實際規劃經驗文件化，利於日後開發相同產業別有基本概念。</a:t>
             </a:r>
             <a:endParaRPr lang="en-US" altLang="zh-TW" sz="2000" dirty="0">
               <a:latin typeface="微軟正黑體" panose="020B0604030504040204" pitchFamily="34" charset="-120"/>
@@ -5981,7 +6730,7 @@
 </p:sld>
 </file>
 
-<file path=ppt/slides/slide6.xml><?xml version="1.0" encoding="utf-8"?>
+<file path=ppt/slides/slide7.xml><?xml version="1.0" encoding="utf-8"?>
 <p:sld xmlns:a="http://schemas.openxmlformats.org/drawingml/2006/main" xmlns:r="http://schemas.openxmlformats.org/officeDocument/2006/relationships" xmlns:p="http://schemas.openxmlformats.org/presentationml/2006/main">
   <p:cSld>
     <p:spTree>
